--- a/ppt 16-9/0542.仍得救恩之乐.pptx
+++ b/ppt 16-9/0542.仍得救恩之乐.pptx
@@ -5,7 +5,7 @@
     <p:sldMasterId id="2147483648" r:id="rId1"/>
   </p:sldMasterIdLst>
   <p:sldIdLst>
-    <p:sldId id="2288" r:id="rId2"/>
+    <p:sldId id="2290" r:id="rId2"/>
   </p:sldIdLst>
   <p:sldSz cx="12192000" cy="6858000"/>
   <p:notesSz cx="6858000" cy="9144000"/>
@@ -129,7 +129,7 @@
           <p:cNvPr id="2" name="标题 1">
             <a:extLst>
               <a:ext uri="{FF2B5EF4-FFF2-40B4-BE49-F238E27FC236}">
-                <a16:creationId xmlns:a16="http://schemas.microsoft.com/office/drawing/2014/main" id="{2F73CDF9-90F5-9871-95F3-25ACAEA04269}"/>
+                <a16:creationId xmlns:a16="http://schemas.microsoft.com/office/drawing/2014/main" id="{6B8170A1-D00C-7AA5-C667-8C282A4A6FDD}"/>
               </a:ext>
             </a:extLst>
           </p:cNvPr>
@@ -166,7 +166,7 @@
           <p:cNvPr id="3" name="副标题 2">
             <a:extLst>
               <a:ext uri="{FF2B5EF4-FFF2-40B4-BE49-F238E27FC236}">
-                <a16:creationId xmlns:a16="http://schemas.microsoft.com/office/drawing/2014/main" id="{476C599E-9723-A628-5E4F-00EE2AD2070A}"/>
+                <a16:creationId xmlns:a16="http://schemas.microsoft.com/office/drawing/2014/main" id="{64A1E26E-8D1F-8E22-65EF-C3547358C735}"/>
               </a:ext>
             </a:extLst>
           </p:cNvPr>
@@ -236,7 +236,7 @@
           <p:cNvPr id="4" name="日期占位符 3">
             <a:extLst>
               <a:ext uri="{FF2B5EF4-FFF2-40B4-BE49-F238E27FC236}">
-                <a16:creationId xmlns:a16="http://schemas.microsoft.com/office/drawing/2014/main" id="{FCD18E52-DCDF-191B-8562-1BEA713EFCDF}"/>
+                <a16:creationId xmlns:a16="http://schemas.microsoft.com/office/drawing/2014/main" id="{07BF4A56-D4DE-FD7E-3489-70DB724356D4}"/>
               </a:ext>
             </a:extLst>
           </p:cNvPr>
@@ -252,7 +252,7 @@
           <a:bodyPr/>
           <a:lstStyle/>
           <a:p>
-            <a:fld id="{5D4440FC-4A50-420E-87FD-60FC95E95A64}" type="datetimeFigureOut">
+            <a:fld id="{0BD2EF06-47D8-4F14-8CCE-3110943A29A7}" type="datetimeFigureOut">
               <a:rPr lang="zh-CN" altLang="en-US" smtClean="0"/>
               <a:t>2024/3/10</a:t>
             </a:fld>
@@ -265,7 +265,7 @@
           <p:cNvPr id="5" name="页脚占位符 4">
             <a:extLst>
               <a:ext uri="{FF2B5EF4-FFF2-40B4-BE49-F238E27FC236}">
-                <a16:creationId xmlns:a16="http://schemas.microsoft.com/office/drawing/2014/main" id="{CEC46D14-5908-0EA1-330C-8C078992796A}"/>
+                <a16:creationId xmlns:a16="http://schemas.microsoft.com/office/drawing/2014/main" id="{0F6F2A1D-6F7F-5908-77F8-98556D53E90D}"/>
               </a:ext>
             </a:extLst>
           </p:cNvPr>
@@ -290,7 +290,7 @@
           <p:cNvPr id="6" name="灯片编号占位符 5">
             <a:extLst>
               <a:ext uri="{FF2B5EF4-FFF2-40B4-BE49-F238E27FC236}">
-                <a16:creationId xmlns:a16="http://schemas.microsoft.com/office/drawing/2014/main" id="{6C62ECE3-7188-2DA1-C9DB-14D1A9816B70}"/>
+                <a16:creationId xmlns:a16="http://schemas.microsoft.com/office/drawing/2014/main" id="{ADBF0B5F-D634-7602-A8EA-8028E90906ED}"/>
               </a:ext>
             </a:extLst>
           </p:cNvPr>
@@ -306,7 +306,7 @@
           <a:bodyPr/>
           <a:lstStyle/>
           <a:p>
-            <a:fld id="{82117586-6C75-49F0-BFB4-CA6949834AED}" type="slidenum">
+            <a:fld id="{1C344FC2-D778-41BE-A5E7-DBEF4EFA4A89}" type="slidenum">
               <a:rPr lang="zh-CN" altLang="en-US" smtClean="0"/>
               <a:t>‹#›</a:t>
             </a:fld>
@@ -317,7 +317,7 @@
     </p:spTree>
     <p:extLst>
       <p:ext uri="{BB962C8B-B14F-4D97-AF65-F5344CB8AC3E}">
-        <p14:creationId xmlns:p14="http://schemas.microsoft.com/office/powerpoint/2010/main" val="3255529221"/>
+        <p14:creationId xmlns:p14="http://schemas.microsoft.com/office/powerpoint/2010/main" val="692772728"/>
       </p:ext>
     </p:extLst>
   </p:cSld>
@@ -349,7 +349,7 @@
           <p:cNvPr id="2" name="标题 1">
             <a:extLst>
               <a:ext uri="{FF2B5EF4-FFF2-40B4-BE49-F238E27FC236}">
-                <a16:creationId xmlns:a16="http://schemas.microsoft.com/office/drawing/2014/main" id="{0D09B60E-7AFA-3818-7D99-5D477E927F38}"/>
+                <a16:creationId xmlns:a16="http://schemas.microsoft.com/office/drawing/2014/main" id="{D66F2183-DE0A-CCC2-B6A6-C18B93C64CF2}"/>
               </a:ext>
             </a:extLst>
           </p:cNvPr>
@@ -377,7 +377,7 @@
           <p:cNvPr id="3" name="竖排文字占位符 2">
             <a:extLst>
               <a:ext uri="{FF2B5EF4-FFF2-40B4-BE49-F238E27FC236}">
-                <a16:creationId xmlns:a16="http://schemas.microsoft.com/office/drawing/2014/main" id="{9B5D0A74-458F-F503-E9B2-73A178849291}"/>
+                <a16:creationId xmlns:a16="http://schemas.microsoft.com/office/drawing/2014/main" id="{6E1DA417-832F-8BB9-AD19-684BB3AA5216}"/>
               </a:ext>
             </a:extLst>
           </p:cNvPr>
@@ -434,7 +434,7 @@
           <p:cNvPr id="4" name="日期占位符 3">
             <a:extLst>
               <a:ext uri="{FF2B5EF4-FFF2-40B4-BE49-F238E27FC236}">
-                <a16:creationId xmlns:a16="http://schemas.microsoft.com/office/drawing/2014/main" id="{E978EB1D-5C9C-5C2D-6A7C-9259594A7FAC}"/>
+                <a16:creationId xmlns:a16="http://schemas.microsoft.com/office/drawing/2014/main" id="{4DB8F861-1A35-AD70-5BED-00355D1AF867}"/>
               </a:ext>
             </a:extLst>
           </p:cNvPr>
@@ -450,7 +450,7 @@
           <a:bodyPr/>
           <a:lstStyle/>
           <a:p>
-            <a:fld id="{5D4440FC-4A50-420E-87FD-60FC95E95A64}" type="datetimeFigureOut">
+            <a:fld id="{0BD2EF06-47D8-4F14-8CCE-3110943A29A7}" type="datetimeFigureOut">
               <a:rPr lang="zh-CN" altLang="en-US" smtClean="0"/>
               <a:t>2024/3/10</a:t>
             </a:fld>
@@ -463,7 +463,7 @@
           <p:cNvPr id="5" name="页脚占位符 4">
             <a:extLst>
               <a:ext uri="{FF2B5EF4-FFF2-40B4-BE49-F238E27FC236}">
-                <a16:creationId xmlns:a16="http://schemas.microsoft.com/office/drawing/2014/main" id="{19D9A213-362C-0F0E-4108-AEEABE10E854}"/>
+                <a16:creationId xmlns:a16="http://schemas.microsoft.com/office/drawing/2014/main" id="{73854BE7-F82D-82F9-AF2D-5EC58B44725D}"/>
               </a:ext>
             </a:extLst>
           </p:cNvPr>
@@ -488,7 +488,7 @@
           <p:cNvPr id="6" name="灯片编号占位符 5">
             <a:extLst>
               <a:ext uri="{FF2B5EF4-FFF2-40B4-BE49-F238E27FC236}">
-                <a16:creationId xmlns:a16="http://schemas.microsoft.com/office/drawing/2014/main" id="{A0FB0F51-6ED5-A2B7-445C-BED2D9949AD8}"/>
+                <a16:creationId xmlns:a16="http://schemas.microsoft.com/office/drawing/2014/main" id="{7D309D0D-A678-82D8-75AC-E467BFABBC12}"/>
               </a:ext>
             </a:extLst>
           </p:cNvPr>
@@ -504,7 +504,7 @@
           <a:bodyPr/>
           <a:lstStyle/>
           <a:p>
-            <a:fld id="{82117586-6C75-49F0-BFB4-CA6949834AED}" type="slidenum">
+            <a:fld id="{1C344FC2-D778-41BE-A5E7-DBEF4EFA4A89}" type="slidenum">
               <a:rPr lang="zh-CN" altLang="en-US" smtClean="0"/>
               <a:t>‹#›</a:t>
             </a:fld>
@@ -515,7 +515,7 @@
     </p:spTree>
     <p:extLst>
       <p:ext uri="{BB962C8B-B14F-4D97-AF65-F5344CB8AC3E}">
-        <p14:creationId xmlns:p14="http://schemas.microsoft.com/office/powerpoint/2010/main" val="3364677556"/>
+        <p14:creationId xmlns:p14="http://schemas.microsoft.com/office/powerpoint/2010/main" val="1667174633"/>
       </p:ext>
     </p:extLst>
   </p:cSld>
@@ -547,7 +547,7 @@
           <p:cNvPr id="2" name="竖排标题 1">
             <a:extLst>
               <a:ext uri="{FF2B5EF4-FFF2-40B4-BE49-F238E27FC236}">
-                <a16:creationId xmlns:a16="http://schemas.microsoft.com/office/drawing/2014/main" id="{58559A98-447E-4F8E-A7D4-CA997946D76E}"/>
+                <a16:creationId xmlns:a16="http://schemas.microsoft.com/office/drawing/2014/main" id="{D61F8AB9-77B1-EC38-DC86-7D501EBDA1C0}"/>
               </a:ext>
             </a:extLst>
           </p:cNvPr>
@@ -580,7 +580,7 @@
           <p:cNvPr id="3" name="竖排文字占位符 2">
             <a:extLst>
               <a:ext uri="{FF2B5EF4-FFF2-40B4-BE49-F238E27FC236}">
-                <a16:creationId xmlns:a16="http://schemas.microsoft.com/office/drawing/2014/main" id="{461CF63C-C81F-AD70-1CA2-022C3F0F6299}"/>
+                <a16:creationId xmlns:a16="http://schemas.microsoft.com/office/drawing/2014/main" id="{5E2F4EB5-C20F-38B6-D5CB-33C4C92DD4B7}"/>
               </a:ext>
             </a:extLst>
           </p:cNvPr>
@@ -642,7 +642,7 @@
           <p:cNvPr id="4" name="日期占位符 3">
             <a:extLst>
               <a:ext uri="{FF2B5EF4-FFF2-40B4-BE49-F238E27FC236}">
-                <a16:creationId xmlns:a16="http://schemas.microsoft.com/office/drawing/2014/main" id="{ABDF81C3-DAEC-7819-042C-DE1760A8D646}"/>
+                <a16:creationId xmlns:a16="http://schemas.microsoft.com/office/drawing/2014/main" id="{3BD9F78B-E3AD-09A7-DDFD-023033D3E5AC}"/>
               </a:ext>
             </a:extLst>
           </p:cNvPr>
@@ -658,7 +658,7 @@
           <a:bodyPr/>
           <a:lstStyle/>
           <a:p>
-            <a:fld id="{5D4440FC-4A50-420E-87FD-60FC95E95A64}" type="datetimeFigureOut">
+            <a:fld id="{0BD2EF06-47D8-4F14-8CCE-3110943A29A7}" type="datetimeFigureOut">
               <a:rPr lang="zh-CN" altLang="en-US" smtClean="0"/>
               <a:t>2024/3/10</a:t>
             </a:fld>
@@ -671,7 +671,7 @@
           <p:cNvPr id="5" name="页脚占位符 4">
             <a:extLst>
               <a:ext uri="{FF2B5EF4-FFF2-40B4-BE49-F238E27FC236}">
-                <a16:creationId xmlns:a16="http://schemas.microsoft.com/office/drawing/2014/main" id="{2F59910F-ADD4-518A-63B2-DDBA14708E6A}"/>
+                <a16:creationId xmlns:a16="http://schemas.microsoft.com/office/drawing/2014/main" id="{F9C5DA90-7163-9F9C-E89E-66815F51C8F5}"/>
               </a:ext>
             </a:extLst>
           </p:cNvPr>
@@ -696,7 +696,7 @@
           <p:cNvPr id="6" name="灯片编号占位符 5">
             <a:extLst>
               <a:ext uri="{FF2B5EF4-FFF2-40B4-BE49-F238E27FC236}">
-                <a16:creationId xmlns:a16="http://schemas.microsoft.com/office/drawing/2014/main" id="{26F975A0-ADA3-7F33-382C-8BDB8D7EF2D8}"/>
+                <a16:creationId xmlns:a16="http://schemas.microsoft.com/office/drawing/2014/main" id="{626E37E2-3FC0-2ABB-F5A7-749CE009E77C}"/>
               </a:ext>
             </a:extLst>
           </p:cNvPr>
@@ -712,7 +712,7 @@
           <a:bodyPr/>
           <a:lstStyle/>
           <a:p>
-            <a:fld id="{82117586-6C75-49F0-BFB4-CA6949834AED}" type="slidenum">
+            <a:fld id="{1C344FC2-D778-41BE-A5E7-DBEF4EFA4A89}" type="slidenum">
               <a:rPr lang="zh-CN" altLang="en-US" smtClean="0"/>
               <a:t>‹#›</a:t>
             </a:fld>
@@ -723,7 +723,7 @@
     </p:spTree>
     <p:extLst>
       <p:ext uri="{BB962C8B-B14F-4D97-AF65-F5344CB8AC3E}">
-        <p14:creationId xmlns:p14="http://schemas.microsoft.com/office/powerpoint/2010/main" val="562203823"/>
+        <p14:creationId xmlns:p14="http://schemas.microsoft.com/office/powerpoint/2010/main" val="2129528678"/>
       </p:ext>
     </p:extLst>
   </p:cSld>
@@ -755,7 +755,7 @@
           <p:cNvPr id="2" name="标题 1">
             <a:extLst>
               <a:ext uri="{FF2B5EF4-FFF2-40B4-BE49-F238E27FC236}">
-                <a16:creationId xmlns:a16="http://schemas.microsoft.com/office/drawing/2014/main" id="{02AA9D29-625E-26CE-AC6F-C308016E457A}"/>
+                <a16:creationId xmlns:a16="http://schemas.microsoft.com/office/drawing/2014/main" id="{A21BB2FD-7383-1040-7E22-73F1EAE876E3}"/>
               </a:ext>
             </a:extLst>
           </p:cNvPr>
@@ -783,7 +783,7 @@
           <p:cNvPr id="3" name="内容占位符 2">
             <a:extLst>
               <a:ext uri="{FF2B5EF4-FFF2-40B4-BE49-F238E27FC236}">
-                <a16:creationId xmlns:a16="http://schemas.microsoft.com/office/drawing/2014/main" id="{3F6BC6D2-DE45-7629-073F-EF7F4B0901E4}"/>
+                <a16:creationId xmlns:a16="http://schemas.microsoft.com/office/drawing/2014/main" id="{03232599-888F-81B7-22E9-60052725C77A}"/>
               </a:ext>
             </a:extLst>
           </p:cNvPr>
@@ -840,7 +840,7 @@
           <p:cNvPr id="4" name="日期占位符 3">
             <a:extLst>
               <a:ext uri="{FF2B5EF4-FFF2-40B4-BE49-F238E27FC236}">
-                <a16:creationId xmlns:a16="http://schemas.microsoft.com/office/drawing/2014/main" id="{CAF2F438-F483-4413-5803-688402EBD865}"/>
+                <a16:creationId xmlns:a16="http://schemas.microsoft.com/office/drawing/2014/main" id="{C0847861-E684-5BB1-92D8-8DA3C4EA1DC9}"/>
               </a:ext>
             </a:extLst>
           </p:cNvPr>
@@ -856,7 +856,7 @@
           <a:bodyPr/>
           <a:lstStyle/>
           <a:p>
-            <a:fld id="{5D4440FC-4A50-420E-87FD-60FC95E95A64}" type="datetimeFigureOut">
+            <a:fld id="{0BD2EF06-47D8-4F14-8CCE-3110943A29A7}" type="datetimeFigureOut">
               <a:rPr lang="zh-CN" altLang="en-US" smtClean="0"/>
               <a:t>2024/3/10</a:t>
             </a:fld>
@@ -869,7 +869,7 @@
           <p:cNvPr id="5" name="页脚占位符 4">
             <a:extLst>
               <a:ext uri="{FF2B5EF4-FFF2-40B4-BE49-F238E27FC236}">
-                <a16:creationId xmlns:a16="http://schemas.microsoft.com/office/drawing/2014/main" id="{E689B876-25A3-1811-CD5B-D02E6FCA29FC}"/>
+                <a16:creationId xmlns:a16="http://schemas.microsoft.com/office/drawing/2014/main" id="{DF021FAE-7682-ACCF-1C2D-B68037D1EBE0}"/>
               </a:ext>
             </a:extLst>
           </p:cNvPr>
@@ -894,7 +894,7 @@
           <p:cNvPr id="6" name="灯片编号占位符 5">
             <a:extLst>
               <a:ext uri="{FF2B5EF4-FFF2-40B4-BE49-F238E27FC236}">
-                <a16:creationId xmlns:a16="http://schemas.microsoft.com/office/drawing/2014/main" id="{CED0FB4D-7870-8089-6E76-0DDE68527151}"/>
+                <a16:creationId xmlns:a16="http://schemas.microsoft.com/office/drawing/2014/main" id="{42091EA8-8524-ECD9-339F-3E76EA8C6366}"/>
               </a:ext>
             </a:extLst>
           </p:cNvPr>
@@ -910,7 +910,7 @@
           <a:bodyPr/>
           <a:lstStyle/>
           <a:p>
-            <a:fld id="{82117586-6C75-49F0-BFB4-CA6949834AED}" type="slidenum">
+            <a:fld id="{1C344FC2-D778-41BE-A5E7-DBEF4EFA4A89}" type="slidenum">
               <a:rPr lang="zh-CN" altLang="en-US" smtClean="0"/>
               <a:t>‹#›</a:t>
             </a:fld>
@@ -921,7 +921,7 @@
     </p:spTree>
     <p:extLst>
       <p:ext uri="{BB962C8B-B14F-4D97-AF65-F5344CB8AC3E}">
-        <p14:creationId xmlns:p14="http://schemas.microsoft.com/office/powerpoint/2010/main" val="1934605549"/>
+        <p14:creationId xmlns:p14="http://schemas.microsoft.com/office/powerpoint/2010/main" val="3556876198"/>
       </p:ext>
     </p:extLst>
   </p:cSld>
@@ -953,7 +953,7 @@
           <p:cNvPr id="2" name="标题 1">
             <a:extLst>
               <a:ext uri="{FF2B5EF4-FFF2-40B4-BE49-F238E27FC236}">
-                <a16:creationId xmlns:a16="http://schemas.microsoft.com/office/drawing/2014/main" id="{351FE105-40E4-229E-367B-F4281CB64A6C}"/>
+                <a16:creationId xmlns:a16="http://schemas.microsoft.com/office/drawing/2014/main" id="{2C081548-7F1C-1D06-5057-8ABF3A11DE04}"/>
               </a:ext>
             </a:extLst>
           </p:cNvPr>
@@ -990,7 +990,7 @@
           <p:cNvPr id="3" name="文本占位符 2">
             <a:extLst>
               <a:ext uri="{FF2B5EF4-FFF2-40B4-BE49-F238E27FC236}">
-                <a16:creationId xmlns:a16="http://schemas.microsoft.com/office/drawing/2014/main" id="{FDCD40AE-7993-AD10-0224-1D8D2A9EC3EF}"/>
+                <a16:creationId xmlns:a16="http://schemas.microsoft.com/office/drawing/2014/main" id="{0D129E4A-701F-D736-5007-A0C06CE750AE}"/>
               </a:ext>
             </a:extLst>
           </p:cNvPr>
@@ -1115,7 +1115,7 @@
           <p:cNvPr id="4" name="日期占位符 3">
             <a:extLst>
               <a:ext uri="{FF2B5EF4-FFF2-40B4-BE49-F238E27FC236}">
-                <a16:creationId xmlns:a16="http://schemas.microsoft.com/office/drawing/2014/main" id="{E1F199CB-E4B4-B9E6-B212-C8297474754F}"/>
+                <a16:creationId xmlns:a16="http://schemas.microsoft.com/office/drawing/2014/main" id="{F7F109F3-1D33-4733-DA42-5F559C2F04EE}"/>
               </a:ext>
             </a:extLst>
           </p:cNvPr>
@@ -1131,7 +1131,7 @@
           <a:bodyPr/>
           <a:lstStyle/>
           <a:p>
-            <a:fld id="{5D4440FC-4A50-420E-87FD-60FC95E95A64}" type="datetimeFigureOut">
+            <a:fld id="{0BD2EF06-47D8-4F14-8CCE-3110943A29A7}" type="datetimeFigureOut">
               <a:rPr lang="zh-CN" altLang="en-US" smtClean="0"/>
               <a:t>2024/3/10</a:t>
             </a:fld>
@@ -1144,7 +1144,7 @@
           <p:cNvPr id="5" name="页脚占位符 4">
             <a:extLst>
               <a:ext uri="{FF2B5EF4-FFF2-40B4-BE49-F238E27FC236}">
-                <a16:creationId xmlns:a16="http://schemas.microsoft.com/office/drawing/2014/main" id="{3CD1124C-7C78-9CFC-1A3D-CA3CB64757CE}"/>
+                <a16:creationId xmlns:a16="http://schemas.microsoft.com/office/drawing/2014/main" id="{B0B0C8DE-71A8-472C-166E-EB2B88A66807}"/>
               </a:ext>
             </a:extLst>
           </p:cNvPr>
@@ -1169,7 +1169,7 @@
           <p:cNvPr id="6" name="灯片编号占位符 5">
             <a:extLst>
               <a:ext uri="{FF2B5EF4-FFF2-40B4-BE49-F238E27FC236}">
-                <a16:creationId xmlns:a16="http://schemas.microsoft.com/office/drawing/2014/main" id="{8980C8BA-6A6D-5C05-F23E-190977AB947A}"/>
+                <a16:creationId xmlns:a16="http://schemas.microsoft.com/office/drawing/2014/main" id="{E9D54352-EDF9-869F-702C-7E41BBF3A8F2}"/>
               </a:ext>
             </a:extLst>
           </p:cNvPr>
@@ -1185,7 +1185,7 @@
           <a:bodyPr/>
           <a:lstStyle/>
           <a:p>
-            <a:fld id="{82117586-6C75-49F0-BFB4-CA6949834AED}" type="slidenum">
+            <a:fld id="{1C344FC2-D778-41BE-A5E7-DBEF4EFA4A89}" type="slidenum">
               <a:rPr lang="zh-CN" altLang="en-US" smtClean="0"/>
               <a:t>‹#›</a:t>
             </a:fld>
@@ -1196,7 +1196,7 @@
     </p:spTree>
     <p:extLst>
       <p:ext uri="{BB962C8B-B14F-4D97-AF65-F5344CB8AC3E}">
-        <p14:creationId xmlns:p14="http://schemas.microsoft.com/office/powerpoint/2010/main" val="3179605304"/>
+        <p14:creationId xmlns:p14="http://schemas.microsoft.com/office/powerpoint/2010/main" val="2253027359"/>
       </p:ext>
     </p:extLst>
   </p:cSld>
@@ -1228,7 +1228,7 @@
           <p:cNvPr id="2" name="标题 1">
             <a:extLst>
               <a:ext uri="{FF2B5EF4-FFF2-40B4-BE49-F238E27FC236}">
-                <a16:creationId xmlns:a16="http://schemas.microsoft.com/office/drawing/2014/main" id="{BE5BE74B-5073-759F-EEC0-1A8AF8A67E04}"/>
+                <a16:creationId xmlns:a16="http://schemas.microsoft.com/office/drawing/2014/main" id="{4B2A28D5-1C07-E1A0-D760-DDB6FC8C018E}"/>
               </a:ext>
             </a:extLst>
           </p:cNvPr>
@@ -1256,7 +1256,7 @@
           <p:cNvPr id="3" name="内容占位符 2">
             <a:extLst>
               <a:ext uri="{FF2B5EF4-FFF2-40B4-BE49-F238E27FC236}">
-                <a16:creationId xmlns:a16="http://schemas.microsoft.com/office/drawing/2014/main" id="{B83C25EE-13A1-E3A7-9E78-62A452278580}"/>
+                <a16:creationId xmlns:a16="http://schemas.microsoft.com/office/drawing/2014/main" id="{282BFB0A-F0CA-9E92-CCE7-A52719822369}"/>
               </a:ext>
             </a:extLst>
           </p:cNvPr>
@@ -1318,7 +1318,7 @@
           <p:cNvPr id="4" name="内容占位符 3">
             <a:extLst>
               <a:ext uri="{FF2B5EF4-FFF2-40B4-BE49-F238E27FC236}">
-                <a16:creationId xmlns:a16="http://schemas.microsoft.com/office/drawing/2014/main" id="{53D3DEAB-DCF9-0B21-4DBD-2A1DF0794810}"/>
+                <a16:creationId xmlns:a16="http://schemas.microsoft.com/office/drawing/2014/main" id="{172A0C1A-1C30-C7FB-FA00-35FBA2458BDE}"/>
               </a:ext>
             </a:extLst>
           </p:cNvPr>
@@ -1380,7 +1380,7 @@
           <p:cNvPr id="5" name="日期占位符 4">
             <a:extLst>
               <a:ext uri="{FF2B5EF4-FFF2-40B4-BE49-F238E27FC236}">
-                <a16:creationId xmlns:a16="http://schemas.microsoft.com/office/drawing/2014/main" id="{FD65BD01-3B6C-F81A-C2FC-3B2D4C4EE574}"/>
+                <a16:creationId xmlns:a16="http://schemas.microsoft.com/office/drawing/2014/main" id="{18E440E3-B957-7498-C96E-8FDEC1DF59B1}"/>
               </a:ext>
             </a:extLst>
           </p:cNvPr>
@@ -1396,7 +1396,7 @@
           <a:bodyPr/>
           <a:lstStyle/>
           <a:p>
-            <a:fld id="{5D4440FC-4A50-420E-87FD-60FC95E95A64}" type="datetimeFigureOut">
+            <a:fld id="{0BD2EF06-47D8-4F14-8CCE-3110943A29A7}" type="datetimeFigureOut">
               <a:rPr lang="zh-CN" altLang="en-US" smtClean="0"/>
               <a:t>2024/3/10</a:t>
             </a:fld>
@@ -1409,7 +1409,7 @@
           <p:cNvPr id="6" name="页脚占位符 5">
             <a:extLst>
               <a:ext uri="{FF2B5EF4-FFF2-40B4-BE49-F238E27FC236}">
-                <a16:creationId xmlns:a16="http://schemas.microsoft.com/office/drawing/2014/main" id="{2D6490CD-4872-247E-AFF9-614D4A3F7BBB}"/>
+                <a16:creationId xmlns:a16="http://schemas.microsoft.com/office/drawing/2014/main" id="{CE8C4A27-0625-6D5F-565E-6828EEBC10F0}"/>
               </a:ext>
             </a:extLst>
           </p:cNvPr>
@@ -1434,7 +1434,7 @@
           <p:cNvPr id="7" name="灯片编号占位符 6">
             <a:extLst>
               <a:ext uri="{FF2B5EF4-FFF2-40B4-BE49-F238E27FC236}">
-                <a16:creationId xmlns:a16="http://schemas.microsoft.com/office/drawing/2014/main" id="{3A574085-6FEC-9499-62F1-D00175E435C1}"/>
+                <a16:creationId xmlns:a16="http://schemas.microsoft.com/office/drawing/2014/main" id="{EBA81D99-11E6-E715-FF7C-337010B45261}"/>
               </a:ext>
             </a:extLst>
           </p:cNvPr>
@@ -1450,7 +1450,7 @@
           <a:bodyPr/>
           <a:lstStyle/>
           <a:p>
-            <a:fld id="{82117586-6C75-49F0-BFB4-CA6949834AED}" type="slidenum">
+            <a:fld id="{1C344FC2-D778-41BE-A5E7-DBEF4EFA4A89}" type="slidenum">
               <a:rPr lang="zh-CN" altLang="en-US" smtClean="0"/>
               <a:t>‹#›</a:t>
             </a:fld>
@@ -1461,7 +1461,7 @@
     </p:spTree>
     <p:extLst>
       <p:ext uri="{BB962C8B-B14F-4D97-AF65-F5344CB8AC3E}">
-        <p14:creationId xmlns:p14="http://schemas.microsoft.com/office/powerpoint/2010/main" val="1784454230"/>
+        <p14:creationId xmlns:p14="http://schemas.microsoft.com/office/powerpoint/2010/main" val="1563651333"/>
       </p:ext>
     </p:extLst>
   </p:cSld>
@@ -1493,7 +1493,7 @@
           <p:cNvPr id="2" name="标题 1">
             <a:extLst>
               <a:ext uri="{FF2B5EF4-FFF2-40B4-BE49-F238E27FC236}">
-                <a16:creationId xmlns:a16="http://schemas.microsoft.com/office/drawing/2014/main" id="{3522D575-A043-CD0D-AB7B-5FE249D677D7}"/>
+                <a16:creationId xmlns:a16="http://schemas.microsoft.com/office/drawing/2014/main" id="{8A8D2C96-A956-DF04-99EB-A4C18F819E38}"/>
               </a:ext>
             </a:extLst>
           </p:cNvPr>
@@ -1526,7 +1526,7 @@
           <p:cNvPr id="3" name="文本占位符 2">
             <a:extLst>
               <a:ext uri="{FF2B5EF4-FFF2-40B4-BE49-F238E27FC236}">
-                <a16:creationId xmlns:a16="http://schemas.microsoft.com/office/drawing/2014/main" id="{9E8CE3AA-2D6C-CCF4-3E59-4C5D74ABCA00}"/>
+                <a16:creationId xmlns:a16="http://schemas.microsoft.com/office/drawing/2014/main" id="{B2AD5E9A-A792-8EAE-EB58-453E7636DD46}"/>
               </a:ext>
             </a:extLst>
           </p:cNvPr>
@@ -1597,7 +1597,7 @@
           <p:cNvPr id="4" name="内容占位符 3">
             <a:extLst>
               <a:ext uri="{FF2B5EF4-FFF2-40B4-BE49-F238E27FC236}">
-                <a16:creationId xmlns:a16="http://schemas.microsoft.com/office/drawing/2014/main" id="{2AA5A787-4686-2AB9-E84D-229619416CC6}"/>
+                <a16:creationId xmlns:a16="http://schemas.microsoft.com/office/drawing/2014/main" id="{CFB98B59-1E9D-272D-2185-AACF1D0FD8FF}"/>
               </a:ext>
             </a:extLst>
           </p:cNvPr>
@@ -1659,7 +1659,7 @@
           <p:cNvPr id="5" name="文本占位符 4">
             <a:extLst>
               <a:ext uri="{FF2B5EF4-FFF2-40B4-BE49-F238E27FC236}">
-                <a16:creationId xmlns:a16="http://schemas.microsoft.com/office/drawing/2014/main" id="{E05A816E-7C3B-4F31-069C-E80D2BD24CE0}"/>
+                <a16:creationId xmlns:a16="http://schemas.microsoft.com/office/drawing/2014/main" id="{495E0FDD-5A56-6871-205C-C5AC29212BF4}"/>
               </a:ext>
             </a:extLst>
           </p:cNvPr>
@@ -1730,7 +1730,7 @@
           <p:cNvPr id="6" name="内容占位符 5">
             <a:extLst>
               <a:ext uri="{FF2B5EF4-FFF2-40B4-BE49-F238E27FC236}">
-                <a16:creationId xmlns:a16="http://schemas.microsoft.com/office/drawing/2014/main" id="{A2411C48-F57E-FAB9-8E2E-CB841E9112C1}"/>
+                <a16:creationId xmlns:a16="http://schemas.microsoft.com/office/drawing/2014/main" id="{ED1DEFF0-C80D-0D72-7646-931522753BB3}"/>
               </a:ext>
             </a:extLst>
           </p:cNvPr>
@@ -1792,7 +1792,7 @@
           <p:cNvPr id="7" name="日期占位符 6">
             <a:extLst>
               <a:ext uri="{FF2B5EF4-FFF2-40B4-BE49-F238E27FC236}">
-                <a16:creationId xmlns:a16="http://schemas.microsoft.com/office/drawing/2014/main" id="{A8D584FA-109A-2A30-38CD-D5B3A7E4FFC9}"/>
+                <a16:creationId xmlns:a16="http://schemas.microsoft.com/office/drawing/2014/main" id="{49DDA3F0-9341-C5D8-34AF-D63D56B43B8E}"/>
               </a:ext>
             </a:extLst>
           </p:cNvPr>
@@ -1808,7 +1808,7 @@
           <a:bodyPr/>
           <a:lstStyle/>
           <a:p>
-            <a:fld id="{5D4440FC-4A50-420E-87FD-60FC95E95A64}" type="datetimeFigureOut">
+            <a:fld id="{0BD2EF06-47D8-4F14-8CCE-3110943A29A7}" type="datetimeFigureOut">
               <a:rPr lang="zh-CN" altLang="en-US" smtClean="0"/>
               <a:t>2024/3/10</a:t>
             </a:fld>
@@ -1821,7 +1821,7 @@
           <p:cNvPr id="8" name="页脚占位符 7">
             <a:extLst>
               <a:ext uri="{FF2B5EF4-FFF2-40B4-BE49-F238E27FC236}">
-                <a16:creationId xmlns:a16="http://schemas.microsoft.com/office/drawing/2014/main" id="{7003722F-D845-34D5-9952-843FDB616186}"/>
+                <a16:creationId xmlns:a16="http://schemas.microsoft.com/office/drawing/2014/main" id="{667CE2BE-E5CE-186D-728B-47BADA3A67FD}"/>
               </a:ext>
             </a:extLst>
           </p:cNvPr>
@@ -1846,7 +1846,7 @@
           <p:cNvPr id="9" name="灯片编号占位符 8">
             <a:extLst>
               <a:ext uri="{FF2B5EF4-FFF2-40B4-BE49-F238E27FC236}">
-                <a16:creationId xmlns:a16="http://schemas.microsoft.com/office/drawing/2014/main" id="{08298060-FB0C-381C-6B0A-CA32DD96D295}"/>
+                <a16:creationId xmlns:a16="http://schemas.microsoft.com/office/drawing/2014/main" id="{7EA5E8E6-37F3-9783-82E0-0B2DCDE62022}"/>
               </a:ext>
             </a:extLst>
           </p:cNvPr>
@@ -1862,7 +1862,7 @@
           <a:bodyPr/>
           <a:lstStyle/>
           <a:p>
-            <a:fld id="{82117586-6C75-49F0-BFB4-CA6949834AED}" type="slidenum">
+            <a:fld id="{1C344FC2-D778-41BE-A5E7-DBEF4EFA4A89}" type="slidenum">
               <a:rPr lang="zh-CN" altLang="en-US" smtClean="0"/>
               <a:t>‹#›</a:t>
             </a:fld>
@@ -1873,7 +1873,7 @@
     </p:spTree>
     <p:extLst>
       <p:ext uri="{BB962C8B-B14F-4D97-AF65-F5344CB8AC3E}">
-        <p14:creationId xmlns:p14="http://schemas.microsoft.com/office/powerpoint/2010/main" val="623688854"/>
+        <p14:creationId xmlns:p14="http://schemas.microsoft.com/office/powerpoint/2010/main" val="158501231"/>
       </p:ext>
     </p:extLst>
   </p:cSld>
@@ -1905,7 +1905,7 @@
           <p:cNvPr id="2" name="标题 1">
             <a:extLst>
               <a:ext uri="{FF2B5EF4-FFF2-40B4-BE49-F238E27FC236}">
-                <a16:creationId xmlns:a16="http://schemas.microsoft.com/office/drawing/2014/main" id="{120E0800-4FE7-3DBA-B994-BD8949F67DC5}"/>
+                <a16:creationId xmlns:a16="http://schemas.microsoft.com/office/drawing/2014/main" id="{7E8B7BDC-7E7C-B6CB-9B1C-1975418D4C9E}"/>
               </a:ext>
             </a:extLst>
           </p:cNvPr>
@@ -1933,7 +1933,7 @@
           <p:cNvPr id="3" name="日期占位符 2">
             <a:extLst>
               <a:ext uri="{FF2B5EF4-FFF2-40B4-BE49-F238E27FC236}">
-                <a16:creationId xmlns:a16="http://schemas.microsoft.com/office/drawing/2014/main" id="{78BA0599-57B5-2BD5-D3A5-83E7A78EE77B}"/>
+                <a16:creationId xmlns:a16="http://schemas.microsoft.com/office/drawing/2014/main" id="{06D45ADA-4F34-2CAB-7809-D613C095544B}"/>
               </a:ext>
             </a:extLst>
           </p:cNvPr>
@@ -1949,7 +1949,7 @@
           <a:bodyPr/>
           <a:lstStyle/>
           <a:p>
-            <a:fld id="{5D4440FC-4A50-420E-87FD-60FC95E95A64}" type="datetimeFigureOut">
+            <a:fld id="{0BD2EF06-47D8-4F14-8CCE-3110943A29A7}" type="datetimeFigureOut">
               <a:rPr lang="zh-CN" altLang="en-US" smtClean="0"/>
               <a:t>2024/3/10</a:t>
             </a:fld>
@@ -1962,7 +1962,7 @@
           <p:cNvPr id="4" name="页脚占位符 3">
             <a:extLst>
               <a:ext uri="{FF2B5EF4-FFF2-40B4-BE49-F238E27FC236}">
-                <a16:creationId xmlns:a16="http://schemas.microsoft.com/office/drawing/2014/main" id="{41F5F383-530D-74B5-1793-055EE5AA4430}"/>
+                <a16:creationId xmlns:a16="http://schemas.microsoft.com/office/drawing/2014/main" id="{1BB416CC-42AF-BCAA-9A88-4F4ED7DF9EEE}"/>
               </a:ext>
             </a:extLst>
           </p:cNvPr>
@@ -1987,7 +1987,7 @@
           <p:cNvPr id="5" name="灯片编号占位符 4">
             <a:extLst>
               <a:ext uri="{FF2B5EF4-FFF2-40B4-BE49-F238E27FC236}">
-                <a16:creationId xmlns:a16="http://schemas.microsoft.com/office/drawing/2014/main" id="{844454B7-D35E-DCC6-6D0A-33366FFF718F}"/>
+                <a16:creationId xmlns:a16="http://schemas.microsoft.com/office/drawing/2014/main" id="{245542DC-554C-F218-B686-65ABC969F62B}"/>
               </a:ext>
             </a:extLst>
           </p:cNvPr>
@@ -2003,7 +2003,7 @@
           <a:bodyPr/>
           <a:lstStyle/>
           <a:p>
-            <a:fld id="{82117586-6C75-49F0-BFB4-CA6949834AED}" type="slidenum">
+            <a:fld id="{1C344FC2-D778-41BE-A5E7-DBEF4EFA4A89}" type="slidenum">
               <a:rPr lang="zh-CN" altLang="en-US" smtClean="0"/>
               <a:t>‹#›</a:t>
             </a:fld>
@@ -2014,7 +2014,7 @@
     </p:spTree>
     <p:extLst>
       <p:ext uri="{BB962C8B-B14F-4D97-AF65-F5344CB8AC3E}">
-        <p14:creationId xmlns:p14="http://schemas.microsoft.com/office/powerpoint/2010/main" val="313395277"/>
+        <p14:creationId xmlns:p14="http://schemas.microsoft.com/office/powerpoint/2010/main" val="2401368311"/>
       </p:ext>
     </p:extLst>
   </p:cSld>
@@ -2046,7 +2046,7 @@
           <p:cNvPr id="2" name="日期占位符 1">
             <a:extLst>
               <a:ext uri="{FF2B5EF4-FFF2-40B4-BE49-F238E27FC236}">
-                <a16:creationId xmlns:a16="http://schemas.microsoft.com/office/drawing/2014/main" id="{B485C192-7F98-6A8B-36B9-496201990B8E}"/>
+                <a16:creationId xmlns:a16="http://schemas.microsoft.com/office/drawing/2014/main" id="{885D4B8E-C6A4-AD0A-1BD3-DCA5FFB1C4AE}"/>
               </a:ext>
             </a:extLst>
           </p:cNvPr>
@@ -2062,7 +2062,7 @@
           <a:bodyPr/>
           <a:lstStyle/>
           <a:p>
-            <a:fld id="{5D4440FC-4A50-420E-87FD-60FC95E95A64}" type="datetimeFigureOut">
+            <a:fld id="{0BD2EF06-47D8-4F14-8CCE-3110943A29A7}" type="datetimeFigureOut">
               <a:rPr lang="zh-CN" altLang="en-US" smtClean="0"/>
               <a:t>2024/3/10</a:t>
             </a:fld>
@@ -2075,7 +2075,7 @@
           <p:cNvPr id="3" name="页脚占位符 2">
             <a:extLst>
               <a:ext uri="{FF2B5EF4-FFF2-40B4-BE49-F238E27FC236}">
-                <a16:creationId xmlns:a16="http://schemas.microsoft.com/office/drawing/2014/main" id="{43B3EE3E-1605-E2D6-5518-73BF6EFBDE26}"/>
+                <a16:creationId xmlns:a16="http://schemas.microsoft.com/office/drawing/2014/main" id="{79755631-387B-30D5-F82E-4D1292F9084F}"/>
               </a:ext>
             </a:extLst>
           </p:cNvPr>
@@ -2100,7 +2100,7 @@
           <p:cNvPr id="4" name="灯片编号占位符 3">
             <a:extLst>
               <a:ext uri="{FF2B5EF4-FFF2-40B4-BE49-F238E27FC236}">
-                <a16:creationId xmlns:a16="http://schemas.microsoft.com/office/drawing/2014/main" id="{C013ED5A-7889-9074-9965-E282F6F1DF41}"/>
+                <a16:creationId xmlns:a16="http://schemas.microsoft.com/office/drawing/2014/main" id="{802592B5-8794-E15C-9C13-FA1D2A2779BA}"/>
               </a:ext>
             </a:extLst>
           </p:cNvPr>
@@ -2116,7 +2116,7 @@
           <a:bodyPr/>
           <a:lstStyle/>
           <a:p>
-            <a:fld id="{82117586-6C75-49F0-BFB4-CA6949834AED}" type="slidenum">
+            <a:fld id="{1C344FC2-D778-41BE-A5E7-DBEF4EFA4A89}" type="slidenum">
               <a:rPr lang="zh-CN" altLang="en-US" smtClean="0"/>
               <a:t>‹#›</a:t>
             </a:fld>
@@ -2127,7 +2127,7 @@
     </p:spTree>
     <p:extLst>
       <p:ext uri="{BB962C8B-B14F-4D97-AF65-F5344CB8AC3E}">
-        <p14:creationId xmlns:p14="http://schemas.microsoft.com/office/powerpoint/2010/main" val="4048856954"/>
+        <p14:creationId xmlns:p14="http://schemas.microsoft.com/office/powerpoint/2010/main" val="13314376"/>
       </p:ext>
     </p:extLst>
   </p:cSld>
@@ -2159,7 +2159,7 @@
           <p:cNvPr id="2" name="标题 1">
             <a:extLst>
               <a:ext uri="{FF2B5EF4-FFF2-40B4-BE49-F238E27FC236}">
-                <a16:creationId xmlns:a16="http://schemas.microsoft.com/office/drawing/2014/main" id="{15FEBDCC-97AE-A447-A8A9-3BC264591F71}"/>
+                <a16:creationId xmlns:a16="http://schemas.microsoft.com/office/drawing/2014/main" id="{23147B1B-5226-3C2D-4F09-260E75523DA3}"/>
               </a:ext>
             </a:extLst>
           </p:cNvPr>
@@ -2196,7 +2196,7 @@
           <p:cNvPr id="3" name="内容占位符 2">
             <a:extLst>
               <a:ext uri="{FF2B5EF4-FFF2-40B4-BE49-F238E27FC236}">
-                <a16:creationId xmlns:a16="http://schemas.microsoft.com/office/drawing/2014/main" id="{F553C9F7-C9E9-B74E-A04C-98AFF80BE5AB}"/>
+                <a16:creationId xmlns:a16="http://schemas.microsoft.com/office/drawing/2014/main" id="{122BD341-E0D8-5C44-9D15-9DBF7FCE9A70}"/>
               </a:ext>
             </a:extLst>
           </p:cNvPr>
@@ -2286,7 +2286,7 @@
           <p:cNvPr id="4" name="文本占位符 3">
             <a:extLst>
               <a:ext uri="{FF2B5EF4-FFF2-40B4-BE49-F238E27FC236}">
-                <a16:creationId xmlns:a16="http://schemas.microsoft.com/office/drawing/2014/main" id="{6414F22E-21A3-7649-DDF3-C380C31451D7}"/>
+                <a16:creationId xmlns:a16="http://schemas.microsoft.com/office/drawing/2014/main" id="{73F26FED-2AC7-C8D8-75E5-6C3AE742D9FE}"/>
               </a:ext>
             </a:extLst>
           </p:cNvPr>
@@ -2357,7 +2357,7 @@
           <p:cNvPr id="5" name="日期占位符 4">
             <a:extLst>
               <a:ext uri="{FF2B5EF4-FFF2-40B4-BE49-F238E27FC236}">
-                <a16:creationId xmlns:a16="http://schemas.microsoft.com/office/drawing/2014/main" id="{A1D4C0C2-A013-1577-6457-14ECB7B508A4}"/>
+                <a16:creationId xmlns:a16="http://schemas.microsoft.com/office/drawing/2014/main" id="{CBE6F70C-6AC1-6DC0-3144-306339CC3F5F}"/>
               </a:ext>
             </a:extLst>
           </p:cNvPr>
@@ -2373,7 +2373,7 @@
           <a:bodyPr/>
           <a:lstStyle/>
           <a:p>
-            <a:fld id="{5D4440FC-4A50-420E-87FD-60FC95E95A64}" type="datetimeFigureOut">
+            <a:fld id="{0BD2EF06-47D8-4F14-8CCE-3110943A29A7}" type="datetimeFigureOut">
               <a:rPr lang="zh-CN" altLang="en-US" smtClean="0"/>
               <a:t>2024/3/10</a:t>
             </a:fld>
@@ -2386,7 +2386,7 @@
           <p:cNvPr id="6" name="页脚占位符 5">
             <a:extLst>
               <a:ext uri="{FF2B5EF4-FFF2-40B4-BE49-F238E27FC236}">
-                <a16:creationId xmlns:a16="http://schemas.microsoft.com/office/drawing/2014/main" id="{D30E8843-5531-6A2F-8E07-C1C3DC180861}"/>
+                <a16:creationId xmlns:a16="http://schemas.microsoft.com/office/drawing/2014/main" id="{7545CEB9-E3CB-0684-7117-33731C9568F6}"/>
               </a:ext>
             </a:extLst>
           </p:cNvPr>
@@ -2411,7 +2411,7 @@
           <p:cNvPr id="7" name="灯片编号占位符 6">
             <a:extLst>
               <a:ext uri="{FF2B5EF4-FFF2-40B4-BE49-F238E27FC236}">
-                <a16:creationId xmlns:a16="http://schemas.microsoft.com/office/drawing/2014/main" id="{A590048A-7171-6B5A-51E4-2C523657214D}"/>
+                <a16:creationId xmlns:a16="http://schemas.microsoft.com/office/drawing/2014/main" id="{3AC944B4-9B50-23C0-1C6B-AB79E5CFE9BF}"/>
               </a:ext>
             </a:extLst>
           </p:cNvPr>
@@ -2427,7 +2427,7 @@
           <a:bodyPr/>
           <a:lstStyle/>
           <a:p>
-            <a:fld id="{82117586-6C75-49F0-BFB4-CA6949834AED}" type="slidenum">
+            <a:fld id="{1C344FC2-D778-41BE-A5E7-DBEF4EFA4A89}" type="slidenum">
               <a:rPr lang="zh-CN" altLang="en-US" smtClean="0"/>
               <a:t>‹#›</a:t>
             </a:fld>
@@ -2438,7 +2438,7 @@
     </p:spTree>
     <p:extLst>
       <p:ext uri="{BB962C8B-B14F-4D97-AF65-F5344CB8AC3E}">
-        <p14:creationId xmlns:p14="http://schemas.microsoft.com/office/powerpoint/2010/main" val="1603424461"/>
+        <p14:creationId xmlns:p14="http://schemas.microsoft.com/office/powerpoint/2010/main" val="3234129568"/>
       </p:ext>
     </p:extLst>
   </p:cSld>
@@ -2470,7 +2470,7 @@
           <p:cNvPr id="2" name="标题 1">
             <a:extLst>
               <a:ext uri="{FF2B5EF4-FFF2-40B4-BE49-F238E27FC236}">
-                <a16:creationId xmlns:a16="http://schemas.microsoft.com/office/drawing/2014/main" id="{66779096-C7E5-CB2F-A2F9-9756EAF0B843}"/>
+                <a16:creationId xmlns:a16="http://schemas.microsoft.com/office/drawing/2014/main" id="{24E74EBD-FEE7-87F8-AEE2-B2DE63C0139F}"/>
               </a:ext>
             </a:extLst>
           </p:cNvPr>
@@ -2507,7 +2507,7 @@
           <p:cNvPr id="3" name="图片占位符 2">
             <a:extLst>
               <a:ext uri="{FF2B5EF4-FFF2-40B4-BE49-F238E27FC236}">
-                <a16:creationId xmlns:a16="http://schemas.microsoft.com/office/drawing/2014/main" id="{5236C873-1B84-7537-6403-FB108DD4EF02}"/>
+                <a16:creationId xmlns:a16="http://schemas.microsoft.com/office/drawing/2014/main" id="{0F3207EF-58FD-B284-8CDA-7DBA1B4D3853}"/>
               </a:ext>
             </a:extLst>
           </p:cNvPr>
@@ -2574,7 +2574,7 @@
           <p:cNvPr id="4" name="文本占位符 3">
             <a:extLst>
               <a:ext uri="{FF2B5EF4-FFF2-40B4-BE49-F238E27FC236}">
-                <a16:creationId xmlns:a16="http://schemas.microsoft.com/office/drawing/2014/main" id="{390A24B3-CCCC-147C-3A44-1C62AE7EAFFD}"/>
+                <a16:creationId xmlns:a16="http://schemas.microsoft.com/office/drawing/2014/main" id="{F5F69D5F-8443-A151-15E5-9A54B21D1F60}"/>
               </a:ext>
             </a:extLst>
           </p:cNvPr>
@@ -2645,7 +2645,7 @@
           <p:cNvPr id="5" name="日期占位符 4">
             <a:extLst>
               <a:ext uri="{FF2B5EF4-FFF2-40B4-BE49-F238E27FC236}">
-                <a16:creationId xmlns:a16="http://schemas.microsoft.com/office/drawing/2014/main" id="{D93EE1D8-0196-CAEE-61D2-B4798C882BBE}"/>
+                <a16:creationId xmlns:a16="http://schemas.microsoft.com/office/drawing/2014/main" id="{60729583-4EB5-470B-3FD4-9925E0A98792}"/>
               </a:ext>
             </a:extLst>
           </p:cNvPr>
@@ -2661,7 +2661,7 @@
           <a:bodyPr/>
           <a:lstStyle/>
           <a:p>
-            <a:fld id="{5D4440FC-4A50-420E-87FD-60FC95E95A64}" type="datetimeFigureOut">
+            <a:fld id="{0BD2EF06-47D8-4F14-8CCE-3110943A29A7}" type="datetimeFigureOut">
               <a:rPr lang="zh-CN" altLang="en-US" smtClean="0"/>
               <a:t>2024/3/10</a:t>
             </a:fld>
@@ -2674,7 +2674,7 @@
           <p:cNvPr id="6" name="页脚占位符 5">
             <a:extLst>
               <a:ext uri="{FF2B5EF4-FFF2-40B4-BE49-F238E27FC236}">
-                <a16:creationId xmlns:a16="http://schemas.microsoft.com/office/drawing/2014/main" id="{281D627A-7B18-AE66-6109-F29C954335F2}"/>
+                <a16:creationId xmlns:a16="http://schemas.microsoft.com/office/drawing/2014/main" id="{9C3A1BEF-6D20-64A2-99B8-50236A048835}"/>
               </a:ext>
             </a:extLst>
           </p:cNvPr>
@@ -2699,7 +2699,7 @@
           <p:cNvPr id="7" name="灯片编号占位符 6">
             <a:extLst>
               <a:ext uri="{FF2B5EF4-FFF2-40B4-BE49-F238E27FC236}">
-                <a16:creationId xmlns:a16="http://schemas.microsoft.com/office/drawing/2014/main" id="{72F67C28-3E1C-FFE5-0DAB-41B49CC003A4}"/>
+                <a16:creationId xmlns:a16="http://schemas.microsoft.com/office/drawing/2014/main" id="{D84CE1D1-1C1D-D53E-A637-D99F39A7E61E}"/>
               </a:ext>
             </a:extLst>
           </p:cNvPr>
@@ -2715,7 +2715,7 @@
           <a:bodyPr/>
           <a:lstStyle/>
           <a:p>
-            <a:fld id="{82117586-6C75-49F0-BFB4-CA6949834AED}" type="slidenum">
+            <a:fld id="{1C344FC2-D778-41BE-A5E7-DBEF4EFA4A89}" type="slidenum">
               <a:rPr lang="zh-CN" altLang="en-US" smtClean="0"/>
               <a:t>‹#›</a:t>
             </a:fld>
@@ -2726,7 +2726,7 @@
     </p:spTree>
     <p:extLst>
       <p:ext uri="{BB962C8B-B14F-4D97-AF65-F5344CB8AC3E}">
-        <p14:creationId xmlns:p14="http://schemas.microsoft.com/office/powerpoint/2010/main" val="2049388278"/>
+        <p14:creationId xmlns:p14="http://schemas.microsoft.com/office/powerpoint/2010/main" val="2206403254"/>
       </p:ext>
     </p:extLst>
   </p:cSld>
@@ -2763,7 +2763,7 @@
           <p:cNvPr id="2" name="标题占位符 1">
             <a:extLst>
               <a:ext uri="{FF2B5EF4-FFF2-40B4-BE49-F238E27FC236}">
-                <a16:creationId xmlns:a16="http://schemas.microsoft.com/office/drawing/2014/main" id="{E2D2C833-44F0-1B86-41EF-16457A9DFA39}"/>
+                <a16:creationId xmlns:a16="http://schemas.microsoft.com/office/drawing/2014/main" id="{60CDEFA2-8BC9-5BC0-FC07-33B464C6CDAC}"/>
               </a:ext>
             </a:extLst>
           </p:cNvPr>
@@ -2801,7 +2801,7 @@
           <p:cNvPr id="3" name="文本占位符 2">
             <a:extLst>
               <a:ext uri="{FF2B5EF4-FFF2-40B4-BE49-F238E27FC236}">
-                <a16:creationId xmlns:a16="http://schemas.microsoft.com/office/drawing/2014/main" id="{844EB6BF-1693-4846-480E-0B9A7CB7A9FD}"/>
+                <a16:creationId xmlns:a16="http://schemas.microsoft.com/office/drawing/2014/main" id="{094F42D3-565F-AFE4-54C8-5A90F6FE6482}"/>
               </a:ext>
             </a:extLst>
           </p:cNvPr>
@@ -2868,7 +2868,7 @@
           <p:cNvPr id="4" name="日期占位符 3">
             <a:extLst>
               <a:ext uri="{FF2B5EF4-FFF2-40B4-BE49-F238E27FC236}">
-                <a16:creationId xmlns:a16="http://schemas.microsoft.com/office/drawing/2014/main" id="{3861017E-8E75-F355-78D8-DC66E845DEDB}"/>
+                <a16:creationId xmlns:a16="http://schemas.microsoft.com/office/drawing/2014/main" id="{864A8B01-232C-4FC1-36AC-92882B1D11D7}"/>
               </a:ext>
             </a:extLst>
           </p:cNvPr>
@@ -2902,7 +2902,7 @@
             </a:lvl1pPr>
           </a:lstStyle>
           <a:p>
-            <a:fld id="{5D4440FC-4A50-420E-87FD-60FC95E95A64}" type="datetimeFigureOut">
+            <a:fld id="{0BD2EF06-47D8-4F14-8CCE-3110943A29A7}" type="datetimeFigureOut">
               <a:rPr lang="zh-CN" altLang="en-US" smtClean="0"/>
               <a:t>2024/3/10</a:t>
             </a:fld>
@@ -2915,7 +2915,7 @@
           <p:cNvPr id="5" name="页脚占位符 4">
             <a:extLst>
               <a:ext uri="{FF2B5EF4-FFF2-40B4-BE49-F238E27FC236}">
-                <a16:creationId xmlns:a16="http://schemas.microsoft.com/office/drawing/2014/main" id="{703F8592-5D3F-796D-4C24-CF96609DE74B}"/>
+                <a16:creationId xmlns:a16="http://schemas.microsoft.com/office/drawing/2014/main" id="{D0021DD2-EB84-5B57-BE6F-B45CAE6E6BB8}"/>
               </a:ext>
             </a:extLst>
           </p:cNvPr>
@@ -2958,7 +2958,7 @@
           <p:cNvPr id="6" name="灯片编号占位符 5">
             <a:extLst>
               <a:ext uri="{FF2B5EF4-FFF2-40B4-BE49-F238E27FC236}">
-                <a16:creationId xmlns:a16="http://schemas.microsoft.com/office/drawing/2014/main" id="{F88D6201-A28A-07FC-6BFA-F9B2019EF952}"/>
+                <a16:creationId xmlns:a16="http://schemas.microsoft.com/office/drawing/2014/main" id="{E2737E3D-8477-A961-AA64-23ECAA9DD980}"/>
               </a:ext>
             </a:extLst>
           </p:cNvPr>
@@ -2992,7 +2992,7 @@
             </a:lvl1pPr>
           </a:lstStyle>
           <a:p>
-            <a:fld id="{82117586-6C75-49F0-BFB4-CA6949834AED}" type="slidenum">
+            <a:fld id="{1C344FC2-D778-41BE-A5E7-DBEF4EFA4A89}" type="slidenum">
               <a:rPr lang="zh-CN" altLang="en-US" smtClean="0"/>
               <a:t>‹#›</a:t>
             </a:fld>
@@ -3003,7 +3003,7 @@
     </p:spTree>
     <p:extLst>
       <p:ext uri="{BB962C8B-B14F-4D97-AF65-F5344CB8AC3E}">
-        <p14:creationId xmlns:p14="http://schemas.microsoft.com/office/powerpoint/2010/main" val="4135160962"/>
+        <p14:creationId xmlns:p14="http://schemas.microsoft.com/office/powerpoint/2010/main" val="2188597009"/>
       </p:ext>
     </p:extLst>
   </p:cSld>
@@ -3323,7 +3323,7 @@
       </p:grpSpPr>
       <p:pic>
         <p:nvPicPr>
-          <p:cNvPr id="555010" name="Picture 2" descr="541"/>
+          <p:cNvPr id="556034" name="Picture 2" descr="542"/>
           <p:cNvPicPr>
             <a:picLocks noChangeAspect="1" noChangeArrowheads="1"/>
           </p:cNvPicPr>
@@ -3344,8 +3344,8 @@
         </p:blipFill>
         <p:spPr bwMode="auto">
           <a:xfrm>
-            <a:off x="1524000" y="0"/>
-            <a:ext cx="9144000" cy="6858000"/>
+            <a:off x="1524000" y="1"/>
+            <a:ext cx="9144000" cy="5876925"/>
           </a:xfrm>
           <a:prstGeom prst="rect">
             <a:avLst/>
